--- a/Etude sur l'alimentation dans le monde/Présentation Faim_dans_le_monde_finale_Romain_Ramat.pptx
+++ b/Etude sur l'alimentation dans le monde/Présentation Faim_dans_le_monde_finale_Romain_Ramat.pptx
@@ -36,14 +36,15 @@
       <p:boldItalic r:id="rId22"/>
     </p:embeddedFont>
     <p:embeddedFont>
-      <p:font typeface="Trebuchet MS" panose="020B0703020202090204" pitchFamily="34" charset="0"/>
+      <p:font typeface="Trebuchet MS" panose="020B0603020202020204" pitchFamily="34" charset="0"/>
       <p:regular r:id="rId23"/>
       <p:bold r:id="rId24"/>
       <p:italic r:id="rId25"/>
+      <p:boldItalic r:id="rId26"/>
     </p:embeddedFont>
     <p:embeddedFont>
-      <p:font typeface="Wingdings 3" pitchFamily="2" charset="2"/>
-      <p:regular r:id="rId26"/>
+      <p:font typeface="Wingdings 3" panose="05040102010807070707" pitchFamily="18" charset="2"/>
+      <p:regular r:id="rId27"/>
     </p:embeddedFont>
   </p:embeddedFontLst>
   <p:defaultTextStyle>
@@ -146,7 +147,7 @@
       <p15:sldGuideLst xmlns:p15="http://schemas.microsoft.com/office/powerpoint/2012/main"/>
     </p:ext>
     <p:ext uri="GoogleSlidesCustomDataVersion2">
-      <go:slidesCustomData xmlns:go="http://customooxmlschemas.google.com/" xmlns:ahyp="http://schemas.microsoft.com/office/drawing/2018/hyperlinkcolor" xmlns:p15="http://schemas.microsoft.com/office/powerpoint/2012/main" xmlns:p14="http://schemas.microsoft.com/office/powerpoint/2010/main" xmlns:com="http://schemas.openxmlformats.org/drawingml/2006/compatibility" xmlns:pvml="urn:schemas-microsoft-com:office:powerpoint" xmlns:v="urn:schemas-microsoft-com:vml" xmlns:o="urn:schemas-microsoft-com:office:office" xmlns:dgm="http://schemas.openxmlformats.org/drawingml/2006/diagram" xmlns:c="http://schemas.openxmlformats.org/drawingml/2006/chart" xmlns:mv="urn:schemas-microsoft-com:mac:vml" xmlns:mc="http://schemas.openxmlformats.org/markup-compatibility/2006" xmlns="" r:id="rId27" roundtripDataSignature="AMtx7mirjfFyYNBG5sNntC35Cbhoqt17Cg=="/>
+      <go:slidesCustomData xmlns="" xmlns:mc="http://schemas.openxmlformats.org/markup-compatibility/2006" xmlns:mv="urn:schemas-microsoft-com:mac:vml" xmlns:c="http://schemas.openxmlformats.org/drawingml/2006/chart" xmlns:dgm="http://schemas.openxmlformats.org/drawingml/2006/diagram" xmlns:o="urn:schemas-microsoft-com:office:office" xmlns:v="urn:schemas-microsoft-com:vml" xmlns:pvml="urn:schemas-microsoft-com:office:powerpoint" xmlns:com="http://schemas.openxmlformats.org/drawingml/2006/compatibility" xmlns:p14="http://schemas.microsoft.com/office/powerpoint/2010/main" xmlns:p15="http://schemas.microsoft.com/office/powerpoint/2012/main" xmlns:ahyp="http://schemas.microsoft.com/office/drawing/2018/hyperlinkcolor" xmlns:go="http://customooxmlschemas.google.com/" r:id="rId28" roundtripDataSignature="AMtx7mirjfFyYNBG5sNntC35Cbhoqt17Cg=="/>
     </p:ext>
   </p:extLst>
 </p:presentation>
